--- a/Another AI Path Building Genetic Algorithms in CSharp and .NET.pptx
+++ b/Another AI Path Building Genetic Algorithms in CSharp and .NET.pptx
@@ -269,7 +269,7 @@
 <file path=ppt/revisionInfo.xml><?xml version="1.0" encoding="utf-8"?>
 <p1510:revInfo xmlns:a="http://schemas.openxmlformats.org/drawingml/2006/main" xmlns:r="http://schemas.openxmlformats.org/officeDocument/2006/relationships" xmlns:p1510="http://schemas.microsoft.com/office/powerpoint/2015/10/main">
   <p1510:revLst>
-    <p1510:client id="{CD146D90-A985-45FA-91AC-B19C23C6E650}" v="129" dt="2023-02-19T02:19:49.050"/>
+    <p1510:client id="{CD146D90-A985-45FA-91AC-B19C23C6E650}" v="130" dt="2023-02-20T20:16:07.413"/>
   </p1510:revLst>
 </p1510:revInfo>
 </file>
@@ -500,7 +500,7 @@
   <pc:docChgLst>
     <pc:chgData name="Chris Woodruff" userId="2dbf025665e4d94d" providerId="LiveId" clId="{CD146D90-A985-45FA-91AC-B19C23C6E650}"/>
     <pc:docChg chg="undo custSel addSld delSld modSld">
-      <pc:chgData name="Chris Woodruff" userId="2dbf025665e4d94d" providerId="LiveId" clId="{CD146D90-A985-45FA-91AC-B19C23C6E650}" dt="2023-02-19T02:19:49.050" v="280" actId="20577"/>
+      <pc:chgData name="Chris Woodruff" userId="2dbf025665e4d94d" providerId="LiveId" clId="{CD146D90-A985-45FA-91AC-B19C23C6E650}" dt="2023-02-20T20:16:15.895" v="285" actId="1076"/>
       <pc:docMkLst>
         <pc:docMk/>
       </pc:docMkLst>
@@ -644,8 +644,8 @@
           </ac:spMkLst>
         </pc:spChg>
       </pc:sldChg>
-      <pc:sldChg chg="delSp modSp mod">
-        <pc:chgData name="Chris Woodruff" userId="2dbf025665e4d94d" providerId="LiveId" clId="{CD146D90-A985-45FA-91AC-B19C23C6E650}" dt="2023-02-18T16:48:37.920" v="216" actId="20577"/>
+      <pc:sldChg chg="addSp delSp modSp mod">
+        <pc:chgData name="Chris Woodruff" userId="2dbf025665e4d94d" providerId="LiveId" clId="{CD146D90-A985-45FA-91AC-B19C23C6E650}" dt="2023-02-20T20:16:15.895" v="285" actId="1076"/>
         <pc:sldMkLst>
           <pc:docMk/>
           <pc:sldMk cId="0" sldId="277"/>
@@ -682,6 +682,14 @@
             <ac:grpSpMk id="4808" creationId="{00000000-0000-0000-0000-000000000000}"/>
           </ac:grpSpMkLst>
         </pc:grpChg>
+        <pc:picChg chg="add mod">
+          <ac:chgData name="Chris Woodruff" userId="2dbf025665e4d94d" providerId="LiveId" clId="{CD146D90-A985-45FA-91AC-B19C23C6E650}" dt="2023-02-20T20:16:15.895" v="285" actId="1076"/>
+          <ac:picMkLst>
+            <pc:docMk/>
+            <pc:sldMk cId="0" sldId="277"/>
+            <ac:picMk id="3" creationId="{D0F7C516-3032-752E-4413-83FD2F922245}"/>
+          </ac:picMkLst>
+        </pc:picChg>
       </pc:sldChg>
       <pc:sldChg chg="modSp mod">
         <pc:chgData name="Chris Woodruff" userId="2dbf025665e4d94d" providerId="LiveId" clId="{CD146D90-A985-45FA-91AC-B19C23C6E650}" dt="2023-02-18T16:48:57.102" v="217" actId="20577"/>
@@ -1078,7 +1086,7 @@
           <a:p>
             <a:fld id="{249989A5-66D3-413A-AF0E-8EF3AB32FA8C}" type="datetimeFigureOut">
               <a:rPr lang="en-US" smtClean="0"/>
-              <a:t>2/18/2023</a:t>
+              <a:t>2/20/2023</a:t>
             </a:fld>
             <a:endParaRPr lang="en-US"/>
           </a:p>
@@ -20022,6 +20030,42 @@
           <a:ln>
             <a:noFill/>
           </a:ln>
+        </p:spPr>
+      </p:pic>
+      <p:pic>
+        <p:nvPicPr>
+          <p:cNvPr id="3" name="Picture 2" descr="Qr code&#10;&#10;Description automatically generated">
+            <a:extLst>
+              <a:ext uri="{FF2B5EF4-FFF2-40B4-BE49-F238E27FC236}">
+                <a16:creationId xmlns:a16="http://schemas.microsoft.com/office/drawing/2014/main" id="{D0F7C516-3032-752E-4413-83FD2F922245}"/>
+              </a:ext>
+            </a:extLst>
+          </p:cNvPr>
+          <p:cNvPicPr>
+            <a:picLocks noChangeAspect="1"/>
+          </p:cNvPicPr>
+          <p:nvPr/>
+        </p:nvPicPr>
+        <p:blipFill>
+          <a:blip r:embed="rId6">
+            <a:extLst>
+              <a:ext uri="{28A0092B-C50C-407E-A947-70E740481C1C}">
+                <a14:useLocalDpi xmlns:a14="http://schemas.microsoft.com/office/drawing/2010/main" val="0"/>
+              </a:ext>
+            </a:extLst>
+          </a:blip>
+          <a:stretch>
+            <a:fillRect/>
+          </a:stretch>
+        </p:blipFill>
+        <p:spPr>
+          <a:xfrm>
+            <a:off x="766909" y="1275203"/>
+            <a:ext cx="3530122" cy="4120662"/>
+          </a:xfrm>
+          <a:prstGeom prst="rect">
+            <a:avLst/>
+          </a:prstGeom>
         </p:spPr>
       </p:pic>
     </p:spTree>

--- a/Another AI Path Building Genetic Algorithms in CSharp and .NET.pptx
+++ b/Another AI Path Building Genetic Algorithms in CSharp and .NET.pptx
@@ -276,227 +276,6 @@
 
 <file path=ppt/changesInfos/changesInfo1.xml><?xml version="1.0" encoding="utf-8"?>
 <pc:chgInfo xmlns:a="http://schemas.openxmlformats.org/drawingml/2006/main" xmlns:r="http://schemas.openxmlformats.org/officeDocument/2006/relationships" xmlns:ac="http://schemas.microsoft.com/office/drawing/2013/main/command" xmlns:pc="http://schemas.microsoft.com/office/powerpoint/2013/main/command">
-  <pc:docChgLst>
-    <pc:chgData name="Chris Woodruff" userId="2dbf025665e4d94d" providerId="LiveId" clId="{0A6310CB-48F4-471C-BD8E-ADD9ACF5F8F0}"/>
-    <pc:docChg chg="undo custSel addSld modSld">
-      <pc:chgData name="Chris Woodruff" userId="2dbf025665e4d94d" providerId="LiveId" clId="{0A6310CB-48F4-471C-BD8E-ADD9ACF5F8F0}" dt="2021-09-17T16:05:47.369" v="83" actId="403"/>
-      <pc:docMkLst>
-        <pc:docMk/>
-      </pc:docMkLst>
-      <pc:sldChg chg="add setBg">
-        <pc:chgData name="Chris Woodruff" userId="2dbf025665e4d94d" providerId="LiveId" clId="{0A6310CB-48F4-471C-BD8E-ADD9ACF5F8F0}" dt="2021-09-17T14:12:18.069" v="0"/>
-        <pc:sldMkLst>
-          <pc:docMk/>
-          <pc:sldMk cId="4043054023" sldId="257"/>
-        </pc:sldMkLst>
-      </pc:sldChg>
-      <pc:sldChg chg="addSp delSp modSp mod delAnim modAnim">
-        <pc:chgData name="Chris Woodruff" userId="2dbf025665e4d94d" providerId="LiveId" clId="{0A6310CB-48F4-471C-BD8E-ADD9ACF5F8F0}" dt="2021-09-17T15:03:12.255" v="68" actId="1076"/>
-        <pc:sldMkLst>
-          <pc:docMk/>
-          <pc:sldMk cId="0" sldId="259"/>
-        </pc:sldMkLst>
-        <pc:spChg chg="add mod">
-          <ac:chgData name="Chris Woodruff" userId="2dbf025665e4d94d" providerId="LiveId" clId="{0A6310CB-48F4-471C-BD8E-ADD9ACF5F8F0}" dt="2021-09-17T15:00:57.841" v="60" actId="1076"/>
-          <ac:spMkLst>
-            <pc:docMk/>
-            <pc:sldMk cId="0" sldId="259"/>
-            <ac:spMk id="6" creationId="{DA23F0BA-BB03-4B01-A3B1-AB52A5310E43}"/>
-          </ac:spMkLst>
-        </pc:spChg>
-        <pc:spChg chg="add mod">
-          <ac:chgData name="Chris Woodruff" userId="2dbf025665e4d94d" providerId="LiveId" clId="{0A6310CB-48F4-471C-BD8E-ADD9ACF5F8F0}" dt="2021-09-17T15:01:20.324" v="62" actId="1076"/>
-          <ac:spMkLst>
-            <pc:docMk/>
-            <pc:sldMk cId="0" sldId="259"/>
-            <ac:spMk id="7" creationId="{03547C8F-93CC-466D-BEEB-F78B315C44D6}"/>
-          </ac:spMkLst>
-        </pc:spChg>
-        <pc:spChg chg="add del mod">
-          <ac:chgData name="Chris Woodruff" userId="2dbf025665e4d94d" providerId="LiveId" clId="{0A6310CB-48F4-471C-BD8E-ADD9ACF5F8F0}" dt="2021-09-17T14:58:22.347" v="43"/>
-          <ac:spMkLst>
-            <pc:docMk/>
-            <pc:sldMk cId="0" sldId="259"/>
-            <ac:spMk id="8" creationId="{ECB681C7-7389-4264-8193-8E8E29F8AB70}"/>
-          </ac:spMkLst>
-        </pc:spChg>
-        <pc:spChg chg="add del mod">
-          <ac:chgData name="Chris Woodruff" userId="2dbf025665e4d94d" providerId="LiveId" clId="{0A6310CB-48F4-471C-BD8E-ADD9ACF5F8F0}" dt="2021-09-17T14:58:51.402" v="47" actId="478"/>
-          <ac:spMkLst>
-            <pc:docMk/>
-            <pc:sldMk cId="0" sldId="259"/>
-            <ac:spMk id="9" creationId="{2F55F98A-C547-460F-97E1-9A7A7F5AD37C}"/>
-          </ac:spMkLst>
-        </pc:spChg>
-        <pc:spChg chg="mod">
-          <ac:chgData name="Chris Woodruff" userId="2dbf025665e4d94d" providerId="LiveId" clId="{0A6310CB-48F4-471C-BD8E-ADD9ACF5F8F0}" dt="2021-09-17T15:00:17.865" v="51"/>
-          <ac:spMkLst>
-            <pc:docMk/>
-            <pc:sldMk cId="0" sldId="259"/>
-            <ac:spMk id="11" creationId="{ED5FEB4B-F5D3-48FF-B7CD-9A8FE40FF74C}"/>
-          </ac:spMkLst>
-        </pc:spChg>
-        <pc:spChg chg="mod">
-          <ac:chgData name="Chris Woodruff" userId="2dbf025665e4d94d" providerId="LiveId" clId="{0A6310CB-48F4-471C-BD8E-ADD9ACF5F8F0}" dt="2021-09-17T15:00:17.865" v="51"/>
-          <ac:spMkLst>
-            <pc:docMk/>
-            <pc:sldMk cId="0" sldId="259"/>
-            <ac:spMk id="12" creationId="{D6930C16-525D-495F-BDB7-F38AA517E04B}"/>
-          </ac:spMkLst>
-        </pc:spChg>
-        <pc:spChg chg="mod">
-          <ac:chgData name="Chris Woodruff" userId="2dbf025665e4d94d" providerId="LiveId" clId="{0A6310CB-48F4-471C-BD8E-ADD9ACF5F8F0}" dt="2021-09-17T15:01:10.906" v="61" actId="207"/>
-          <ac:spMkLst>
-            <pc:docMk/>
-            <pc:sldMk cId="0" sldId="259"/>
-            <ac:spMk id="14" creationId="{69F4C768-C60E-4A39-8D42-80D3F4E97674}"/>
-          </ac:spMkLst>
-        </pc:spChg>
-        <pc:spChg chg="mod">
-          <ac:chgData name="Chris Woodruff" userId="2dbf025665e4d94d" providerId="LiveId" clId="{0A6310CB-48F4-471C-BD8E-ADD9ACF5F8F0}" dt="2021-09-17T15:01:10.906" v="61" actId="207"/>
-          <ac:spMkLst>
-            <pc:docMk/>
-            <pc:sldMk cId="0" sldId="259"/>
-            <ac:spMk id="15" creationId="{D3535622-834E-4673-8217-4CE4F1C501EC}"/>
-          </ac:spMkLst>
-        </pc:spChg>
-        <pc:spChg chg="mod">
-          <ac:chgData name="Chris Woodruff" userId="2dbf025665e4d94d" providerId="LiveId" clId="{0A6310CB-48F4-471C-BD8E-ADD9ACF5F8F0}" dt="2021-09-17T15:03:05.054" v="67" actId="207"/>
-          <ac:spMkLst>
-            <pc:docMk/>
-            <pc:sldMk cId="0" sldId="259"/>
-            <ac:spMk id="17" creationId="{3A8A6B09-39FB-4CE5-965D-708A97946C74}"/>
-          </ac:spMkLst>
-        </pc:spChg>
-        <pc:spChg chg="mod">
-          <ac:chgData name="Chris Woodruff" userId="2dbf025665e4d94d" providerId="LiveId" clId="{0A6310CB-48F4-471C-BD8E-ADD9ACF5F8F0}" dt="2021-09-17T15:03:05.054" v="67" actId="207"/>
-          <ac:spMkLst>
-            <pc:docMk/>
-            <pc:sldMk cId="0" sldId="259"/>
-            <ac:spMk id="18" creationId="{C74BA0D6-5D2C-4942-9B8C-E543AD11DE47}"/>
-          </ac:spMkLst>
-        </pc:spChg>
-        <pc:spChg chg="mod">
-          <ac:chgData name="Chris Woodruff" userId="2dbf025665e4d94d" providerId="LiveId" clId="{0A6310CB-48F4-471C-BD8E-ADD9ACF5F8F0}" dt="2021-09-17T15:03:05.054" v="67" actId="207"/>
-          <ac:spMkLst>
-            <pc:docMk/>
-            <pc:sldMk cId="0" sldId="259"/>
-            <ac:spMk id="19" creationId="{7E5D390D-C8E7-4BB3-9CDC-2A6C4A6BAEEC}"/>
-          </ac:spMkLst>
-        </pc:spChg>
-        <pc:spChg chg="mod">
-          <ac:chgData name="Chris Woodruff" userId="2dbf025665e4d94d" providerId="LiveId" clId="{0A6310CB-48F4-471C-BD8E-ADD9ACF5F8F0}" dt="2021-09-17T15:03:05.054" v="67" actId="207"/>
-          <ac:spMkLst>
-            <pc:docMk/>
-            <pc:sldMk cId="0" sldId="259"/>
-            <ac:spMk id="20" creationId="{B6B4CB4E-51D6-4721-B79D-F95BFB12F71A}"/>
-          </ac:spMkLst>
-        </pc:spChg>
-        <pc:spChg chg="mod">
-          <ac:chgData name="Chris Woodruff" userId="2dbf025665e4d94d" providerId="LiveId" clId="{0A6310CB-48F4-471C-BD8E-ADD9ACF5F8F0}" dt="2021-09-17T15:03:05.054" v="67" actId="207"/>
-          <ac:spMkLst>
-            <pc:docMk/>
-            <pc:sldMk cId="0" sldId="259"/>
-            <ac:spMk id="21" creationId="{ACC7F548-48A2-448E-A59A-16DF674B878C}"/>
-          </ac:spMkLst>
-        </pc:spChg>
-        <pc:spChg chg="mod">
-          <ac:chgData name="Chris Woodruff" userId="2dbf025665e4d94d" providerId="LiveId" clId="{0A6310CB-48F4-471C-BD8E-ADD9ACF5F8F0}" dt="2021-09-17T15:03:05.054" v="67" actId="207"/>
-          <ac:spMkLst>
-            <pc:docMk/>
-            <pc:sldMk cId="0" sldId="259"/>
-            <ac:spMk id="22" creationId="{EC57C3AC-2400-48A6-B8C7-52F78A0A446D}"/>
-          </ac:spMkLst>
-        </pc:spChg>
-        <pc:spChg chg="mod">
-          <ac:chgData name="Chris Woodruff" userId="2dbf025665e4d94d" providerId="LiveId" clId="{0A6310CB-48F4-471C-BD8E-ADD9ACF5F8F0}" dt="2021-09-17T15:03:05.054" v="67" actId="207"/>
-          <ac:spMkLst>
-            <pc:docMk/>
-            <pc:sldMk cId="0" sldId="259"/>
-            <ac:spMk id="23" creationId="{0B56FAB1-DC0A-4B36-935A-44802D20250E}"/>
-          </ac:spMkLst>
-        </pc:spChg>
-        <pc:grpChg chg="add del mod">
-          <ac:chgData name="Chris Woodruff" userId="2dbf025665e4d94d" providerId="LiveId" clId="{0A6310CB-48F4-471C-BD8E-ADD9ACF5F8F0}" dt="2021-09-17T15:00:26.280" v="54"/>
-          <ac:grpSpMkLst>
-            <pc:docMk/>
-            <pc:sldMk cId="0" sldId="259"/>
-            <ac:grpSpMk id="10" creationId="{1088B5A9-8B3F-4FF1-8EB0-4930FF0C5C75}"/>
-          </ac:grpSpMkLst>
-        </pc:grpChg>
-        <pc:grpChg chg="add mod">
-          <ac:chgData name="Chris Woodruff" userId="2dbf025665e4d94d" providerId="LiveId" clId="{0A6310CB-48F4-471C-BD8E-ADD9ACF5F8F0}" dt="2021-09-17T15:01:10.906" v="61" actId="207"/>
-          <ac:grpSpMkLst>
-            <pc:docMk/>
-            <pc:sldMk cId="0" sldId="259"/>
-            <ac:grpSpMk id="13" creationId="{C9990881-E9C8-442A-A3EC-3525938D00B3}"/>
-          </ac:grpSpMkLst>
-        </pc:grpChg>
-        <pc:grpChg chg="add mod">
-          <ac:chgData name="Chris Woodruff" userId="2dbf025665e4d94d" providerId="LiveId" clId="{0A6310CB-48F4-471C-BD8E-ADD9ACF5F8F0}" dt="2021-09-17T15:03:12.255" v="68" actId="1076"/>
-          <ac:grpSpMkLst>
-            <pc:docMk/>
-            <pc:sldMk cId="0" sldId="259"/>
-            <ac:grpSpMk id="16" creationId="{A4F6A74B-27B1-4F49-86CC-3DF6458E7129}"/>
-          </ac:grpSpMkLst>
-        </pc:grpChg>
-        <pc:picChg chg="mod">
-          <ac:chgData name="Chris Woodruff" userId="2dbf025665e4d94d" providerId="LiveId" clId="{0A6310CB-48F4-471C-BD8E-ADD9ACF5F8F0}" dt="2021-09-17T15:00:24.529" v="53" actId="1076"/>
-          <ac:picMkLst>
-            <pc:docMk/>
-            <pc:sldMk cId="0" sldId="259"/>
-            <ac:picMk id="237" creationId="{00000000-0000-0000-0000-000000000000}"/>
-          </ac:picMkLst>
-        </pc:picChg>
-      </pc:sldChg>
-      <pc:sldChg chg="modSp mod">
-        <pc:chgData name="Chris Woodruff" userId="2dbf025665e4d94d" providerId="LiveId" clId="{0A6310CB-48F4-471C-BD8E-ADD9ACF5F8F0}" dt="2021-09-17T15:05:25.234" v="73" actId="14100"/>
-        <pc:sldMkLst>
-          <pc:docMk/>
-          <pc:sldMk cId="0" sldId="277"/>
-        </pc:sldMkLst>
-        <pc:spChg chg="mod">
-          <ac:chgData name="Chris Woodruff" userId="2dbf025665e4d94d" providerId="LiveId" clId="{0A6310CB-48F4-471C-BD8E-ADD9ACF5F8F0}" dt="2021-09-17T15:05:25.234" v="73" actId="14100"/>
-          <ac:spMkLst>
-            <pc:docMk/>
-            <pc:sldMk cId="0" sldId="277"/>
-            <ac:spMk id="4799" creationId="{00000000-0000-0000-0000-000000000000}"/>
-          </ac:spMkLst>
-        </pc:spChg>
-      </pc:sldChg>
-      <pc:sldChg chg="addSp delSp modSp new mod">
-        <pc:chgData name="Chris Woodruff" userId="2dbf025665e4d94d" providerId="LiveId" clId="{0A6310CB-48F4-471C-BD8E-ADD9ACF5F8F0}" dt="2021-09-17T16:05:47.369" v="83" actId="403"/>
-        <pc:sldMkLst>
-          <pc:docMk/>
-          <pc:sldMk cId="306731255" sldId="288"/>
-        </pc:sldMkLst>
-        <pc:spChg chg="del">
-          <ac:chgData name="Chris Woodruff" userId="2dbf025665e4d94d" providerId="LiveId" clId="{0A6310CB-48F4-471C-BD8E-ADD9ACF5F8F0}" dt="2021-09-17T16:03:18.976" v="75" actId="478"/>
-          <ac:spMkLst>
-            <pc:docMk/>
-            <pc:sldMk cId="306731255" sldId="288"/>
-            <ac:spMk id="2" creationId="{DD89E160-2EEE-4F6F-852F-74387D53B107}"/>
-          </ac:spMkLst>
-        </pc:spChg>
-        <pc:spChg chg="mod">
-          <ac:chgData name="Chris Woodruff" userId="2dbf025665e4d94d" providerId="LiveId" clId="{0A6310CB-48F4-471C-BD8E-ADD9ACF5F8F0}" dt="2021-09-17T16:05:47.369" v="83" actId="403"/>
-          <ac:spMkLst>
-            <pc:docMk/>
-            <pc:sldMk cId="306731255" sldId="288"/>
-            <ac:spMk id="3" creationId="{5CA1C85E-5DC9-4854-929B-AEF6C5D71780}"/>
-          </ac:spMkLst>
-        </pc:spChg>
-        <pc:picChg chg="add mod">
-          <ac:chgData name="Chris Woodruff" userId="2dbf025665e4d94d" providerId="LiveId" clId="{0A6310CB-48F4-471C-BD8E-ADD9ACF5F8F0}" dt="2021-09-17T16:05:16.483" v="77" actId="1076"/>
-          <ac:picMkLst>
-            <pc:docMk/>
-            <pc:sldMk cId="306731255" sldId="288"/>
-            <ac:picMk id="6146" creationId="{5CB9AB8B-33B8-4E25-88FA-A40A59D57368}"/>
-          </ac:picMkLst>
-        </pc:picChg>
-      </pc:sldChg>
-    </pc:docChg>
-  </pc:docChgLst>
   <pc:docChgLst>
     <pc:chgData name="Chris Woodruff" userId="2dbf025665e4d94d" providerId="LiveId" clId="{CD146D90-A985-45FA-91AC-B19C23C6E650}"/>
     <pc:docChg chg="undo custSel addSld delSld modSld">
@@ -1001,6 +780,227 @@
       </pc:sldMasterChg>
     </pc:docChg>
   </pc:docChgLst>
+  <pc:docChgLst>
+    <pc:chgData name="Chris Woodruff" userId="2dbf025665e4d94d" providerId="LiveId" clId="{0A6310CB-48F4-471C-BD8E-ADD9ACF5F8F0}"/>
+    <pc:docChg chg="undo custSel addSld modSld">
+      <pc:chgData name="Chris Woodruff" userId="2dbf025665e4d94d" providerId="LiveId" clId="{0A6310CB-48F4-471C-BD8E-ADD9ACF5F8F0}" dt="2021-09-17T16:05:47.369" v="83" actId="403"/>
+      <pc:docMkLst>
+        <pc:docMk/>
+      </pc:docMkLst>
+      <pc:sldChg chg="add setBg">
+        <pc:chgData name="Chris Woodruff" userId="2dbf025665e4d94d" providerId="LiveId" clId="{0A6310CB-48F4-471C-BD8E-ADD9ACF5F8F0}" dt="2021-09-17T14:12:18.069" v="0"/>
+        <pc:sldMkLst>
+          <pc:docMk/>
+          <pc:sldMk cId="4043054023" sldId="257"/>
+        </pc:sldMkLst>
+      </pc:sldChg>
+      <pc:sldChg chg="addSp delSp modSp mod delAnim modAnim">
+        <pc:chgData name="Chris Woodruff" userId="2dbf025665e4d94d" providerId="LiveId" clId="{0A6310CB-48F4-471C-BD8E-ADD9ACF5F8F0}" dt="2021-09-17T15:03:12.255" v="68" actId="1076"/>
+        <pc:sldMkLst>
+          <pc:docMk/>
+          <pc:sldMk cId="0" sldId="259"/>
+        </pc:sldMkLst>
+        <pc:spChg chg="add mod">
+          <ac:chgData name="Chris Woodruff" userId="2dbf025665e4d94d" providerId="LiveId" clId="{0A6310CB-48F4-471C-BD8E-ADD9ACF5F8F0}" dt="2021-09-17T15:00:57.841" v="60" actId="1076"/>
+          <ac:spMkLst>
+            <pc:docMk/>
+            <pc:sldMk cId="0" sldId="259"/>
+            <ac:spMk id="6" creationId="{DA23F0BA-BB03-4B01-A3B1-AB52A5310E43}"/>
+          </ac:spMkLst>
+        </pc:spChg>
+        <pc:spChg chg="add mod">
+          <ac:chgData name="Chris Woodruff" userId="2dbf025665e4d94d" providerId="LiveId" clId="{0A6310CB-48F4-471C-BD8E-ADD9ACF5F8F0}" dt="2021-09-17T15:01:20.324" v="62" actId="1076"/>
+          <ac:spMkLst>
+            <pc:docMk/>
+            <pc:sldMk cId="0" sldId="259"/>
+            <ac:spMk id="7" creationId="{03547C8F-93CC-466D-BEEB-F78B315C44D6}"/>
+          </ac:spMkLst>
+        </pc:spChg>
+        <pc:spChg chg="add del mod">
+          <ac:chgData name="Chris Woodruff" userId="2dbf025665e4d94d" providerId="LiveId" clId="{0A6310CB-48F4-471C-BD8E-ADD9ACF5F8F0}" dt="2021-09-17T14:58:22.347" v="43"/>
+          <ac:spMkLst>
+            <pc:docMk/>
+            <pc:sldMk cId="0" sldId="259"/>
+            <ac:spMk id="8" creationId="{ECB681C7-7389-4264-8193-8E8E29F8AB70}"/>
+          </ac:spMkLst>
+        </pc:spChg>
+        <pc:spChg chg="add del mod">
+          <ac:chgData name="Chris Woodruff" userId="2dbf025665e4d94d" providerId="LiveId" clId="{0A6310CB-48F4-471C-BD8E-ADD9ACF5F8F0}" dt="2021-09-17T14:58:51.402" v="47" actId="478"/>
+          <ac:spMkLst>
+            <pc:docMk/>
+            <pc:sldMk cId="0" sldId="259"/>
+            <ac:spMk id="9" creationId="{2F55F98A-C547-460F-97E1-9A7A7F5AD37C}"/>
+          </ac:spMkLst>
+        </pc:spChg>
+        <pc:spChg chg="mod">
+          <ac:chgData name="Chris Woodruff" userId="2dbf025665e4d94d" providerId="LiveId" clId="{0A6310CB-48F4-471C-BD8E-ADD9ACF5F8F0}" dt="2021-09-17T15:00:17.865" v="51"/>
+          <ac:spMkLst>
+            <pc:docMk/>
+            <pc:sldMk cId="0" sldId="259"/>
+            <ac:spMk id="11" creationId="{ED5FEB4B-F5D3-48FF-B7CD-9A8FE40FF74C}"/>
+          </ac:spMkLst>
+        </pc:spChg>
+        <pc:spChg chg="mod">
+          <ac:chgData name="Chris Woodruff" userId="2dbf025665e4d94d" providerId="LiveId" clId="{0A6310CB-48F4-471C-BD8E-ADD9ACF5F8F0}" dt="2021-09-17T15:00:17.865" v="51"/>
+          <ac:spMkLst>
+            <pc:docMk/>
+            <pc:sldMk cId="0" sldId="259"/>
+            <ac:spMk id="12" creationId="{D6930C16-525D-495F-BDB7-F38AA517E04B}"/>
+          </ac:spMkLst>
+        </pc:spChg>
+        <pc:spChg chg="mod">
+          <ac:chgData name="Chris Woodruff" userId="2dbf025665e4d94d" providerId="LiveId" clId="{0A6310CB-48F4-471C-BD8E-ADD9ACF5F8F0}" dt="2021-09-17T15:01:10.906" v="61" actId="207"/>
+          <ac:spMkLst>
+            <pc:docMk/>
+            <pc:sldMk cId="0" sldId="259"/>
+            <ac:spMk id="14" creationId="{69F4C768-C60E-4A39-8D42-80D3F4E97674}"/>
+          </ac:spMkLst>
+        </pc:spChg>
+        <pc:spChg chg="mod">
+          <ac:chgData name="Chris Woodruff" userId="2dbf025665e4d94d" providerId="LiveId" clId="{0A6310CB-48F4-471C-BD8E-ADD9ACF5F8F0}" dt="2021-09-17T15:01:10.906" v="61" actId="207"/>
+          <ac:spMkLst>
+            <pc:docMk/>
+            <pc:sldMk cId="0" sldId="259"/>
+            <ac:spMk id="15" creationId="{D3535622-834E-4673-8217-4CE4F1C501EC}"/>
+          </ac:spMkLst>
+        </pc:spChg>
+        <pc:spChg chg="mod">
+          <ac:chgData name="Chris Woodruff" userId="2dbf025665e4d94d" providerId="LiveId" clId="{0A6310CB-48F4-471C-BD8E-ADD9ACF5F8F0}" dt="2021-09-17T15:03:05.054" v="67" actId="207"/>
+          <ac:spMkLst>
+            <pc:docMk/>
+            <pc:sldMk cId="0" sldId="259"/>
+            <ac:spMk id="17" creationId="{3A8A6B09-39FB-4CE5-965D-708A97946C74}"/>
+          </ac:spMkLst>
+        </pc:spChg>
+        <pc:spChg chg="mod">
+          <ac:chgData name="Chris Woodruff" userId="2dbf025665e4d94d" providerId="LiveId" clId="{0A6310CB-48F4-471C-BD8E-ADD9ACF5F8F0}" dt="2021-09-17T15:03:05.054" v="67" actId="207"/>
+          <ac:spMkLst>
+            <pc:docMk/>
+            <pc:sldMk cId="0" sldId="259"/>
+            <ac:spMk id="18" creationId="{C74BA0D6-5D2C-4942-9B8C-E543AD11DE47}"/>
+          </ac:spMkLst>
+        </pc:spChg>
+        <pc:spChg chg="mod">
+          <ac:chgData name="Chris Woodruff" userId="2dbf025665e4d94d" providerId="LiveId" clId="{0A6310CB-48F4-471C-BD8E-ADD9ACF5F8F0}" dt="2021-09-17T15:03:05.054" v="67" actId="207"/>
+          <ac:spMkLst>
+            <pc:docMk/>
+            <pc:sldMk cId="0" sldId="259"/>
+            <ac:spMk id="19" creationId="{7E5D390D-C8E7-4BB3-9CDC-2A6C4A6BAEEC}"/>
+          </ac:spMkLst>
+        </pc:spChg>
+        <pc:spChg chg="mod">
+          <ac:chgData name="Chris Woodruff" userId="2dbf025665e4d94d" providerId="LiveId" clId="{0A6310CB-48F4-471C-BD8E-ADD9ACF5F8F0}" dt="2021-09-17T15:03:05.054" v="67" actId="207"/>
+          <ac:spMkLst>
+            <pc:docMk/>
+            <pc:sldMk cId="0" sldId="259"/>
+            <ac:spMk id="20" creationId="{B6B4CB4E-51D6-4721-B79D-F95BFB12F71A}"/>
+          </ac:spMkLst>
+        </pc:spChg>
+        <pc:spChg chg="mod">
+          <ac:chgData name="Chris Woodruff" userId="2dbf025665e4d94d" providerId="LiveId" clId="{0A6310CB-48F4-471C-BD8E-ADD9ACF5F8F0}" dt="2021-09-17T15:03:05.054" v="67" actId="207"/>
+          <ac:spMkLst>
+            <pc:docMk/>
+            <pc:sldMk cId="0" sldId="259"/>
+            <ac:spMk id="21" creationId="{ACC7F548-48A2-448E-A59A-16DF674B878C}"/>
+          </ac:spMkLst>
+        </pc:spChg>
+        <pc:spChg chg="mod">
+          <ac:chgData name="Chris Woodruff" userId="2dbf025665e4d94d" providerId="LiveId" clId="{0A6310CB-48F4-471C-BD8E-ADD9ACF5F8F0}" dt="2021-09-17T15:03:05.054" v="67" actId="207"/>
+          <ac:spMkLst>
+            <pc:docMk/>
+            <pc:sldMk cId="0" sldId="259"/>
+            <ac:spMk id="22" creationId="{EC57C3AC-2400-48A6-B8C7-52F78A0A446D}"/>
+          </ac:spMkLst>
+        </pc:spChg>
+        <pc:spChg chg="mod">
+          <ac:chgData name="Chris Woodruff" userId="2dbf025665e4d94d" providerId="LiveId" clId="{0A6310CB-48F4-471C-BD8E-ADD9ACF5F8F0}" dt="2021-09-17T15:03:05.054" v="67" actId="207"/>
+          <ac:spMkLst>
+            <pc:docMk/>
+            <pc:sldMk cId="0" sldId="259"/>
+            <ac:spMk id="23" creationId="{0B56FAB1-DC0A-4B36-935A-44802D20250E}"/>
+          </ac:spMkLst>
+        </pc:spChg>
+        <pc:grpChg chg="add del mod">
+          <ac:chgData name="Chris Woodruff" userId="2dbf025665e4d94d" providerId="LiveId" clId="{0A6310CB-48F4-471C-BD8E-ADD9ACF5F8F0}" dt="2021-09-17T15:00:26.280" v="54"/>
+          <ac:grpSpMkLst>
+            <pc:docMk/>
+            <pc:sldMk cId="0" sldId="259"/>
+            <ac:grpSpMk id="10" creationId="{1088B5A9-8B3F-4FF1-8EB0-4930FF0C5C75}"/>
+          </ac:grpSpMkLst>
+        </pc:grpChg>
+        <pc:grpChg chg="add mod">
+          <ac:chgData name="Chris Woodruff" userId="2dbf025665e4d94d" providerId="LiveId" clId="{0A6310CB-48F4-471C-BD8E-ADD9ACF5F8F0}" dt="2021-09-17T15:01:10.906" v="61" actId="207"/>
+          <ac:grpSpMkLst>
+            <pc:docMk/>
+            <pc:sldMk cId="0" sldId="259"/>
+            <ac:grpSpMk id="13" creationId="{C9990881-E9C8-442A-A3EC-3525938D00B3}"/>
+          </ac:grpSpMkLst>
+        </pc:grpChg>
+        <pc:grpChg chg="add mod">
+          <ac:chgData name="Chris Woodruff" userId="2dbf025665e4d94d" providerId="LiveId" clId="{0A6310CB-48F4-471C-BD8E-ADD9ACF5F8F0}" dt="2021-09-17T15:03:12.255" v="68" actId="1076"/>
+          <ac:grpSpMkLst>
+            <pc:docMk/>
+            <pc:sldMk cId="0" sldId="259"/>
+            <ac:grpSpMk id="16" creationId="{A4F6A74B-27B1-4F49-86CC-3DF6458E7129}"/>
+          </ac:grpSpMkLst>
+        </pc:grpChg>
+        <pc:picChg chg="mod">
+          <ac:chgData name="Chris Woodruff" userId="2dbf025665e4d94d" providerId="LiveId" clId="{0A6310CB-48F4-471C-BD8E-ADD9ACF5F8F0}" dt="2021-09-17T15:00:24.529" v="53" actId="1076"/>
+          <ac:picMkLst>
+            <pc:docMk/>
+            <pc:sldMk cId="0" sldId="259"/>
+            <ac:picMk id="237" creationId="{00000000-0000-0000-0000-000000000000}"/>
+          </ac:picMkLst>
+        </pc:picChg>
+      </pc:sldChg>
+      <pc:sldChg chg="modSp mod">
+        <pc:chgData name="Chris Woodruff" userId="2dbf025665e4d94d" providerId="LiveId" clId="{0A6310CB-48F4-471C-BD8E-ADD9ACF5F8F0}" dt="2021-09-17T15:05:25.234" v="73" actId="14100"/>
+        <pc:sldMkLst>
+          <pc:docMk/>
+          <pc:sldMk cId="0" sldId="277"/>
+        </pc:sldMkLst>
+        <pc:spChg chg="mod">
+          <ac:chgData name="Chris Woodruff" userId="2dbf025665e4d94d" providerId="LiveId" clId="{0A6310CB-48F4-471C-BD8E-ADD9ACF5F8F0}" dt="2021-09-17T15:05:25.234" v="73" actId="14100"/>
+          <ac:spMkLst>
+            <pc:docMk/>
+            <pc:sldMk cId="0" sldId="277"/>
+            <ac:spMk id="4799" creationId="{00000000-0000-0000-0000-000000000000}"/>
+          </ac:spMkLst>
+        </pc:spChg>
+      </pc:sldChg>
+      <pc:sldChg chg="addSp delSp modSp new mod">
+        <pc:chgData name="Chris Woodruff" userId="2dbf025665e4d94d" providerId="LiveId" clId="{0A6310CB-48F4-471C-BD8E-ADD9ACF5F8F0}" dt="2021-09-17T16:05:47.369" v="83" actId="403"/>
+        <pc:sldMkLst>
+          <pc:docMk/>
+          <pc:sldMk cId="306731255" sldId="288"/>
+        </pc:sldMkLst>
+        <pc:spChg chg="del">
+          <ac:chgData name="Chris Woodruff" userId="2dbf025665e4d94d" providerId="LiveId" clId="{0A6310CB-48F4-471C-BD8E-ADD9ACF5F8F0}" dt="2021-09-17T16:03:18.976" v="75" actId="478"/>
+          <ac:spMkLst>
+            <pc:docMk/>
+            <pc:sldMk cId="306731255" sldId="288"/>
+            <ac:spMk id="2" creationId="{DD89E160-2EEE-4F6F-852F-74387D53B107}"/>
+          </ac:spMkLst>
+        </pc:spChg>
+        <pc:spChg chg="mod">
+          <ac:chgData name="Chris Woodruff" userId="2dbf025665e4d94d" providerId="LiveId" clId="{0A6310CB-48F4-471C-BD8E-ADD9ACF5F8F0}" dt="2021-09-17T16:05:47.369" v="83" actId="403"/>
+          <ac:spMkLst>
+            <pc:docMk/>
+            <pc:sldMk cId="306731255" sldId="288"/>
+            <ac:spMk id="3" creationId="{5CA1C85E-5DC9-4854-929B-AEF6C5D71780}"/>
+          </ac:spMkLst>
+        </pc:spChg>
+        <pc:picChg chg="add mod">
+          <ac:chgData name="Chris Woodruff" userId="2dbf025665e4d94d" providerId="LiveId" clId="{0A6310CB-48F4-471C-BD8E-ADD9ACF5F8F0}" dt="2021-09-17T16:05:16.483" v="77" actId="1076"/>
+          <ac:picMkLst>
+            <pc:docMk/>
+            <pc:sldMk cId="306731255" sldId="288"/>
+            <ac:picMk id="6146" creationId="{5CB9AB8B-33B8-4E25-88FA-A40A59D57368}"/>
+          </ac:picMkLst>
+        </pc:picChg>
+      </pc:sldChg>
+    </pc:docChg>
+  </pc:docChgLst>
 </pc:chgInfo>
 </file>
 
@@ -1086,7 +1086,7 @@
           <a:p>
             <a:fld id="{249989A5-66D3-413A-AF0E-8EF3AB32FA8C}" type="datetimeFigureOut">
               <a:rPr lang="en-US" smtClean="0"/>
-              <a:t>2/20/2023</a:t>
+              <a:t>3/25/25</a:t>
             </a:fld>
             <a:endParaRPr lang="en-US"/>
           </a:p>
